--- a/trunk/Fading in Wireless Communications.pptx
+++ b/trunk/Fading in Wireless Communications.pptx
@@ -207,7 +207,7 @@
             <a:fld id="{888A7752-73DE-404C-BA6F-63DEF987950B}" type="datetimeFigureOut">
               <a:rPr lang="en-US" smtClean="0"/>
               <a:pPr/>
-              <a:t>4/28/2008</a:t>
+              <a:t>5/5/2008</a:t>
             </a:fld>
             <a:endParaRPr lang="en-US"/>
           </a:p>
@@ -601,6 +601,147 @@
           </a:bodyPr>
           <a:lstStyle/>
           <a:p>
+            <a:r>
+              <a:rPr lang="en-US" sz="1200" kern="1200" baseline="0" dirty="0" smtClean="0">
+                <a:solidFill>
+                  <a:schemeClr val="tx1"/>
+                </a:solidFill>
+                <a:latin typeface="+mn-lt"/>
+                <a:ea typeface="+mn-ea"/>
+                <a:cs typeface="+mn-cs"/>
+              </a:rPr>
+              <a:t>The Rice factor </a:t>
+            </a:r>
+            <a:r>
+              <a:rPr lang="en-US" sz="1200" i="1" kern="1200" baseline="0" dirty="0" smtClean="0">
+                <a:solidFill>
+                  <a:schemeClr val="tx1"/>
+                </a:solidFill>
+                <a:latin typeface="+mn-lt"/>
+                <a:ea typeface="+mn-ea"/>
+                <a:cs typeface="+mn-cs"/>
+              </a:rPr>
+              <a:t>K = ν2</a:t>
+            </a:r>
+          </a:p>
+          <a:p>
+            <a:r>
+              <a:rPr lang="en-US" sz="1200" kern="1200" baseline="0" dirty="0" smtClean="0">
+                <a:solidFill>
+                  <a:schemeClr val="tx1"/>
+                </a:solidFill>
+                <a:latin typeface="+mn-lt"/>
+                <a:ea typeface="+mn-ea"/>
+                <a:cs typeface="+mn-cs"/>
+              </a:rPr>
+              <a:t>2</a:t>
+            </a:r>
+            <a:r>
+              <a:rPr lang="en-US" sz="1200" i="1" kern="1200" baseline="0" dirty="0" smtClean="0">
+                <a:solidFill>
+                  <a:schemeClr val="tx1"/>
+                </a:solidFill>
+                <a:latin typeface="+mn-lt"/>
+                <a:ea typeface="+mn-ea"/>
+                <a:cs typeface="+mn-cs"/>
+              </a:rPr>
+              <a:t>σ2 is the relation between the power of the</a:t>
+            </a:r>
+          </a:p>
+          <a:p>
+            <a:r>
+              <a:rPr lang="en-US" sz="1200" kern="1200" baseline="0" dirty="0" smtClean="0">
+                <a:solidFill>
+                  <a:schemeClr val="tx1"/>
+                </a:solidFill>
+                <a:latin typeface="+mn-lt"/>
+                <a:ea typeface="+mn-ea"/>
+                <a:cs typeface="+mn-cs"/>
+              </a:rPr>
+              <a:t>LOS component and the power of the Rayleigh component.</a:t>
+            </a:r>
+            <a:endParaRPr lang="en-US" dirty="0"/>
+          </a:p>
+        </p:txBody>
+      </p:sp>
+      <p:sp>
+        <p:nvSpPr>
+          <p:cNvPr id="4" name="Slide Number Placeholder 3"/>
+          <p:cNvSpPr>
+            <a:spLocks noGrp="1"/>
+          </p:cNvSpPr>
+          <p:nvPr>
+            <p:ph type="sldNum" sz="quarter" idx="10"/>
+          </p:nvPr>
+        </p:nvSpPr>
+        <p:spPr/>
+        <p:txBody>
+          <a:bodyPr/>
+          <a:lstStyle/>
+          <a:p>
+            <a:fld id="{AEC00428-765A-4708-ADE2-3AAB557AF17C}" type="slidenum">
+              <a:rPr lang="en-US" smtClean="0"/>
+              <a:pPr/>
+              <a:t>13</a:t>
+            </a:fld>
+            <a:endParaRPr lang="en-US"/>
+          </a:p>
+        </p:txBody>
+      </p:sp>
+    </p:spTree>
+  </p:cSld>
+  <p:clrMapOvr>
+    <a:masterClrMapping/>
+  </p:clrMapOvr>
+</p:notes>
+</file>
+
+<file path=ppt/notesSlides/notesSlide11.xml><?xml version="1.0" encoding="utf-8"?>
+<p:notes xmlns:a="http://schemas.openxmlformats.org/drawingml/2006/main" xmlns:r="http://schemas.openxmlformats.org/officeDocument/2006/relationships" xmlns:p="http://schemas.openxmlformats.org/presentationml/2006/main">
+  <p:cSld>
+    <p:spTree>
+      <p:nvGrpSpPr>
+        <p:cNvPr id="1" name=""/>
+        <p:cNvGrpSpPr/>
+        <p:nvPr/>
+      </p:nvGrpSpPr>
+      <p:grpSpPr>
+        <a:xfrm>
+          <a:off x="0" y="0"/>
+          <a:ext cx="0" cy="0"/>
+          <a:chOff x="0" y="0"/>
+          <a:chExt cx="0" cy="0"/>
+        </a:xfrm>
+      </p:grpSpPr>
+      <p:sp>
+        <p:nvSpPr>
+          <p:cNvPr id="2" name="Slide Image Placeholder 1"/>
+          <p:cNvSpPr>
+            <a:spLocks noGrp="1" noRot="1" noChangeAspect="1"/>
+          </p:cNvSpPr>
+          <p:nvPr>
+            <p:ph type="sldImg"/>
+          </p:nvPr>
+        </p:nvSpPr>
+        <p:spPr/>
+      </p:sp>
+      <p:sp>
+        <p:nvSpPr>
+          <p:cNvPr id="3" name="Notes Placeholder 2"/>
+          <p:cNvSpPr>
+            <a:spLocks noGrp="1"/>
+          </p:cNvSpPr>
+          <p:nvPr>
+            <p:ph type="body" idx="1"/>
+          </p:nvPr>
+        </p:nvSpPr>
+        <p:spPr/>
+        <p:txBody>
+          <a:bodyPr>
+            <a:normAutofit/>
+          </a:bodyPr>
+          <a:lstStyle/>
+          <a:p>
             <a:endParaRPr lang="en-US" dirty="0"/>
           </a:p>
         </p:txBody>
@@ -879,84 +1020,76 @@
           </a:bodyPr>
           <a:lstStyle/>
           <a:p>
-            <a:pPr marL="0" marR="0" indent="0" algn="l" defTabSz="914400" rtl="0" eaLnBrk="1" fontAlgn="auto" latinLnBrk="0" hangingPunct="1">
-              <a:lnSpc>
-                <a:spcPct val="100000"/>
-              </a:lnSpc>
-              <a:spcBef>
-                <a:spcPts val="0"/>
-              </a:spcBef>
-              <a:spcAft>
-                <a:spcPts val="0"/>
-              </a:spcAft>
-              <a:buClrTx/>
-              <a:buSzTx/>
-              <a:buFontTx/>
-              <a:buNone/>
-              <a:tabLst/>
-              <a:defRPr/>
-            </a:pPr>
-            <a:r>
-              <a:rPr lang="en-US" dirty="0" smtClean="0"/>
-              <a:t>The terms </a:t>
-            </a:r>
-            <a:r>
-              <a:rPr lang="en-US" i="1" dirty="0" smtClean="0"/>
-              <a:t>slow</a:t>
-            </a:r>
-            <a:r>
-              <a:rPr lang="en-US" dirty="0" smtClean="0"/>
-              <a:t> and </a:t>
-            </a:r>
-            <a:r>
-              <a:rPr lang="en-US" i="1" dirty="0" smtClean="0"/>
-              <a:t>fast</a:t>
-            </a:r>
-            <a:r>
-              <a:rPr lang="en-US" dirty="0" smtClean="0"/>
-              <a:t> fading refer to the rate at which the magnitude and phase change imposed by the channel on the signal changes. The </a:t>
-            </a:r>
-            <a:r>
-              <a:rPr lang="en-US" b="1" dirty="0" smtClean="0"/>
-              <a:t>coherence time</a:t>
-            </a:r>
-            <a:r>
-              <a:rPr lang="en-US" dirty="0" smtClean="0"/>
-              <a:t> is a measure of the minimum time required for the magnitude change of the channel to become </a:t>
-            </a:r>
-            <a:r>
-              <a:rPr lang="en-US" dirty="0" err="1" smtClean="0"/>
-              <a:t>decorrelated</a:t>
-            </a:r>
-            <a:r>
-              <a:rPr lang="en-US" dirty="0" smtClean="0"/>
-              <a:t> from its previous value.</a:t>
-            </a:r>
-          </a:p>
-          <a:p>
-            <a:pPr marL="0" marR="0" indent="0" algn="l" defTabSz="914400" rtl="0" eaLnBrk="1" fontAlgn="auto" latinLnBrk="0" hangingPunct="1">
-              <a:lnSpc>
-                <a:spcPct val="100000"/>
-              </a:lnSpc>
-              <a:spcBef>
-                <a:spcPts val="0"/>
-              </a:spcBef>
-              <a:spcAft>
-                <a:spcPts val="0"/>
-              </a:spcAft>
-              <a:buClrTx/>
-              <a:buSzTx/>
-              <a:buFontTx/>
-              <a:buNone/>
-              <a:tabLst/>
-              <a:defRPr/>
-            </a:pPr>
-            <a:r>
-              <a:rPr lang="en-US" dirty="0" smtClean="0"/>
-              <a:t>Corresponding to Doppler spectrum spread, there is a concept called coherence time, which is related to the reciprocal of the maximum Doppler shit. Coherence time is used to measure a time interval, in which a smaller amount of fading is occurred. Specifically, if the baseband signal varies faster than the coherence time, the distortion from Doppler spread fading is negligible. Such a situation is called slow fading. Otherwise, if the baseband signal varies more slowly than the coherence time, the distortion from Doppler spread fading may be significant. This situation is called fast fading</a:t>
-            </a:r>
-          </a:p>
-          <a:p>
+            <a:r>
+              <a:rPr lang="en-US" sz="1200" kern="1200" baseline="0" dirty="0" smtClean="0">
+                <a:solidFill>
+                  <a:schemeClr val="tx1"/>
+                </a:solidFill>
+                <a:latin typeface="+mn-lt"/>
+                <a:ea typeface="+mn-ea"/>
+                <a:cs typeface="+mn-cs"/>
+              </a:rPr>
+              <a:t>Suppose a mobile transmitting at carrier</a:t>
+            </a:r>
+          </a:p>
+          <a:p>
+            <a:r>
+              <a:rPr lang="en-US" sz="1200" kern="1200" baseline="0" dirty="0" smtClean="0">
+                <a:solidFill>
+                  <a:schemeClr val="tx1"/>
+                </a:solidFill>
+                <a:latin typeface="+mn-lt"/>
+                <a:ea typeface="+mn-ea"/>
+                <a:cs typeface="+mn-cs"/>
+              </a:rPr>
+              <a:t>frequency </a:t>
+            </a:r>
+            <a:r>
+              <a:rPr lang="en-US" sz="1200" i="1" kern="1200" baseline="0" dirty="0" err="1" smtClean="0">
+                <a:solidFill>
+                  <a:schemeClr val="tx1"/>
+                </a:solidFill>
+                <a:latin typeface="+mn-lt"/>
+                <a:ea typeface="+mn-ea"/>
+                <a:cs typeface="+mn-cs"/>
+              </a:rPr>
+              <a:t>fo</a:t>
+            </a:r>
+            <a:r>
+              <a:rPr lang="en-US" sz="1200" i="1" kern="1200" baseline="0" dirty="0" smtClean="0">
+                <a:solidFill>
+                  <a:schemeClr val="tx1"/>
+                </a:solidFill>
+                <a:latin typeface="+mn-lt"/>
+                <a:ea typeface="+mn-ea"/>
+                <a:cs typeface="+mn-cs"/>
+              </a:rPr>
+              <a:t> approaches a stationary receiver</a:t>
+            </a:r>
+          </a:p>
+          <a:p>
+            <a:r>
+              <a:rPr lang="en-US" sz="1200" kern="1200" baseline="0" dirty="0" smtClean="0">
+                <a:solidFill>
+                  <a:schemeClr val="tx1"/>
+                </a:solidFill>
+                <a:latin typeface="+mn-lt"/>
+                <a:ea typeface="+mn-ea"/>
+                <a:cs typeface="+mn-cs"/>
+              </a:rPr>
+              <a:t>directly at a speed of </a:t>
+            </a:r>
+            <a:r>
+              <a:rPr lang="en-US" sz="1200" i="1" kern="1200" baseline="0" dirty="0" smtClean="0">
+                <a:solidFill>
+                  <a:schemeClr val="tx1"/>
+                </a:solidFill>
+                <a:latin typeface="+mn-lt"/>
+                <a:ea typeface="+mn-ea"/>
+                <a:cs typeface="+mn-cs"/>
+              </a:rPr>
+              <a:t>v</a:t>
+            </a:r>
             <a:endParaRPr lang="en-US" dirty="0"/>
           </a:p>
         </p:txBody>
@@ -979,7 +1112,7 @@
             <a:fld id="{AEC00428-765A-4708-ADE2-3AAB557AF17C}" type="slidenum">
               <a:rPr lang="en-US" smtClean="0"/>
               <a:pPr/>
-              <a:t>7</a:t>
+              <a:t>6</a:t>
             </a:fld>
             <a:endParaRPr lang="en-US"/>
           </a:p>
@@ -1039,26 +1172,84 @@
           </a:bodyPr>
           <a:lstStyle/>
           <a:p>
+            <a:pPr marL="0" marR="0" indent="0" algn="l" defTabSz="914400" rtl="0" eaLnBrk="1" fontAlgn="auto" latinLnBrk="0" hangingPunct="1">
+              <a:lnSpc>
+                <a:spcPct val="100000"/>
+              </a:lnSpc>
+              <a:spcBef>
+                <a:spcPts val="0"/>
+              </a:spcBef>
+              <a:spcAft>
+                <a:spcPts val="0"/>
+              </a:spcAft>
+              <a:buClrTx/>
+              <a:buSzTx/>
+              <a:buFontTx/>
+              <a:buNone/>
+              <a:tabLst/>
+              <a:defRPr/>
+            </a:pPr>
             <a:r>
               <a:rPr lang="en-US" dirty="0" smtClean="0"/>
-              <a:t>The different signal paths between a transmitter and a receiver correspond to different transmission times. For an identical signal pulse from the transmitter, multiple copies of signals are received at the receiver at different moments. The signals on shorter paths reach the receiver earlier than those on longer paths. The direct effect of these </a:t>
+              <a:t>The terms </a:t>
+            </a:r>
+            <a:r>
+              <a:rPr lang="en-US" i="1" dirty="0" smtClean="0"/>
+              <a:t>slow</a:t>
+            </a:r>
+            <a:r>
+              <a:rPr lang="en-US" dirty="0" smtClean="0"/>
+              <a:t> and </a:t>
+            </a:r>
+            <a:r>
+              <a:rPr lang="en-US" i="1" dirty="0" smtClean="0"/>
+              <a:t>fast</a:t>
+            </a:r>
+            <a:r>
+              <a:rPr lang="en-US" dirty="0" smtClean="0"/>
+              <a:t> fading refer to the rate at which the magnitude and phase change imposed by the channel on the signal changes. The </a:t>
+            </a:r>
+            <a:r>
+              <a:rPr lang="en-US" b="1" dirty="0" smtClean="0"/>
+              <a:t>coherence time</a:t>
+            </a:r>
+            <a:r>
+              <a:rPr lang="en-US" dirty="0" smtClean="0"/>
+              <a:t> is a measure of the minimum time required for the magnitude change of the channel to become </a:t>
             </a:r>
             <a:r>
               <a:rPr lang="en-US" dirty="0" err="1" smtClean="0"/>
-              <a:t>unsimultaneous</a:t>
+              <a:t>decorrelated</a:t>
             </a:r>
             <a:r>
               <a:rPr lang="en-US" dirty="0" smtClean="0"/>
-              <a:t> arrivals of signal causes the spread of the original signal in time domain. This spread is called delay spread. The delay spread puts a constraint on the maximum transmission capacity on the wireless channel. Specifically, if the period of baseband data pulse is larger than that of delay spread, inter-symbol interference (ISI) will be generated at the receiver. That is, the data signals on two </a:t>
-            </a:r>
-            <a:r>
-              <a:rPr lang="en-US" dirty="0" err="1" smtClean="0"/>
-              <a:t>neighbouring</a:t>
-            </a:r>
+              <a:t> from its previous value.</a:t>
+            </a:r>
+          </a:p>
+          <a:p>
+            <a:pPr marL="0" marR="0" indent="0" algn="l" defTabSz="914400" rtl="0" eaLnBrk="1" fontAlgn="auto" latinLnBrk="0" hangingPunct="1">
+              <a:lnSpc>
+                <a:spcPct val="100000"/>
+              </a:lnSpc>
+              <a:spcBef>
+                <a:spcPts val="0"/>
+              </a:spcBef>
+              <a:spcAft>
+                <a:spcPts val="0"/>
+              </a:spcAft>
+              <a:buClrTx/>
+              <a:buSzTx/>
+              <a:buFontTx/>
+              <a:buNone/>
+              <a:tabLst/>
+              <a:defRPr/>
+            </a:pPr>
             <a:r>
               <a:rPr lang="en-US" dirty="0" smtClean="0"/>
-              <a:t> pulse periods are received at the same time, which causes the receiver not to be able to distinguish them. Corresponding to the concept of delay spread, there is a term called coherence bandwidth used to measure the up-limit bandwidth that can be transmitted for a channel to be free of ISI.</a:t>
-            </a:r>
+              <a:t>Corresponding to Doppler spectrum spread, there is a concept called coherence time, which is related to the reciprocal of the maximum Doppler shit. Coherence time is used to measure a time interval, in which a smaller amount of fading is occurred. Specifically, if the baseband signal varies faster than the coherence time, the distortion from Doppler spread fading is negligible. Such a situation is called slow fading. Otherwise, if the baseband signal varies more slowly than the coherence time, the distortion from Doppler spread fading may be significant. This situation is called fast fading</a:t>
+            </a:r>
+          </a:p>
+          <a:p>
             <a:endParaRPr lang="en-US" dirty="0"/>
           </a:p>
         </p:txBody>
@@ -1081,7 +1272,7 @@
             <a:fld id="{AEC00428-765A-4708-ADE2-3AAB557AF17C}" type="slidenum">
               <a:rPr lang="en-US" smtClean="0"/>
               <a:pPr/>
-              <a:t>8</a:t>
+              <a:t>7</a:t>
             </a:fld>
             <a:endParaRPr lang="en-US"/>
           </a:p>
@@ -1143,7 +1334,23 @@
           <a:p>
             <a:r>
               <a:rPr lang="en-US" dirty="0" smtClean="0"/>
-              <a:t>Specifically, if the baseband signal varies faster than the coherence time, the distortion from Doppler spread fading is negligible. Such a situation is called slow fading. Otherwise, if the baseband signal varies more slowly than the coherence time, the distortion from Doppler spread fading may be significant. This situation is called fast fading.</a:t>
+              <a:t>The different signal paths between a transmitter and a receiver correspond to different transmission times. For an identical signal pulse from the transmitter, multiple copies of signals are received at the receiver at different moments. The signals on shorter paths reach the receiver earlier than those on longer paths. The direct effect of these </a:t>
+            </a:r>
+            <a:r>
+              <a:rPr lang="en-US" dirty="0" err="1" smtClean="0"/>
+              <a:t>unsimultaneous</a:t>
+            </a:r>
+            <a:r>
+              <a:rPr lang="en-US" dirty="0" smtClean="0"/>
+              <a:t> arrivals of signal causes the spread of the original signal in time domain. This spread is called delay spread. The delay spread puts a constraint on the maximum transmission capacity on the wireless channel. Specifically, if the period of baseband data pulse is larger than that of delay spread, inter-symbol interference (ISI) will be generated at the receiver. That is, the data signals on two </a:t>
+            </a:r>
+            <a:r>
+              <a:rPr lang="en-US" dirty="0" err="1" smtClean="0"/>
+              <a:t>neighbouring</a:t>
+            </a:r>
+            <a:r>
+              <a:rPr lang="en-US" dirty="0" smtClean="0"/>
+              <a:t> pulse periods are received at the same time, which causes the receiver not to be able to distinguish them. Corresponding to the concept of delay spread, there is a term called coherence bandwidth used to measure the up-limit bandwidth that can be transmitted for a channel to be free of ISI.</a:t>
             </a:r>
             <a:endParaRPr lang="en-US" dirty="0"/>
           </a:p>
@@ -1167,7 +1374,7 @@
             <a:fld id="{AEC00428-765A-4708-ADE2-3AAB557AF17C}" type="slidenum">
               <a:rPr lang="en-US" smtClean="0"/>
               <a:pPr/>
-              <a:t>10</a:t>
+              <a:t>8</a:t>
             </a:fld>
             <a:endParaRPr lang="en-US"/>
           </a:p>
@@ -1228,24 +1435,8 @@
           <a:lstStyle/>
           <a:p>
             <a:r>
-              <a:rPr lang="en-GB" dirty="0" smtClean="0"/>
-              <a:t>If</a:t>
-            </a:r>
-            <a:r>
-              <a:rPr lang="en-GB" baseline="0" dirty="0" smtClean="0"/>
-              <a:t> the mobile radio channel has a constant gain and linear phase response over a bandwidth which is greater than the bandwidth of the transmitted signal, then the received signal will under go flat fading.</a:t>
-            </a:r>
-            <a:r>
               <a:rPr lang="en-US" dirty="0" smtClean="0"/>
-              <a:t> Therefore, all frequency components of the signal will experience the same magnitude of fading. the coherence bandwidth of the channel is smaller than the bandwidth of the signal. Different frequency components of the signal therefore experience </a:t>
-            </a:r>
-            <a:r>
-              <a:rPr lang="en-US" dirty="0" err="1" smtClean="0"/>
-              <a:t>decorrelated</a:t>
-            </a:r>
-            <a:r>
-              <a:rPr lang="en-US" dirty="0" smtClean="0"/>
-              <a:t> fading. </a:t>
+              <a:t>Specifically, if the baseband signal varies faster than the coherence time, the distortion from Doppler spread fading is negligible. Such a situation is called slow fading. Otherwise, if the baseband signal varies more slowly than the coherence time, the distortion from Doppler spread fading may be significant. This situation is called fast fading.</a:t>
             </a:r>
             <a:endParaRPr lang="en-US" dirty="0"/>
           </a:p>
@@ -1269,7 +1460,7 @@
             <a:fld id="{AEC00428-765A-4708-ADE2-3AAB557AF17C}" type="slidenum">
               <a:rPr lang="en-US" smtClean="0"/>
               <a:pPr/>
-              <a:t>11</a:t>
+              <a:t>10</a:t>
             </a:fld>
             <a:endParaRPr lang="en-US"/>
           </a:p>
@@ -1329,6 +1520,26 @@
           </a:bodyPr>
           <a:lstStyle/>
           <a:p>
+            <a:r>
+              <a:rPr lang="en-GB" dirty="0" smtClean="0"/>
+              <a:t>If</a:t>
+            </a:r>
+            <a:r>
+              <a:rPr lang="en-GB" baseline="0" dirty="0" smtClean="0"/>
+              <a:t> the mobile radio channel has a constant gain and linear phase response over a bandwidth which is greater than the bandwidth of the transmitted signal, then the received signal will under go flat fading.</a:t>
+            </a:r>
+            <a:r>
+              <a:rPr lang="en-US" dirty="0" smtClean="0"/>
+              <a:t> Therefore, all frequency components of the signal will experience the same magnitude of fading. the coherence bandwidth of the channel is smaller than the bandwidth of the signal. Different frequency components of the signal therefore experience </a:t>
+            </a:r>
+            <a:r>
+              <a:rPr lang="en-US" dirty="0" err="1" smtClean="0"/>
+              <a:t>decorrelated</a:t>
+            </a:r>
+            <a:r>
+              <a:rPr lang="en-US" dirty="0" smtClean="0"/>
+              <a:t> fading. </a:t>
+            </a:r>
             <a:endParaRPr lang="en-US" dirty="0"/>
           </a:p>
         </p:txBody>
@@ -1351,7 +1562,7 @@
             <a:fld id="{AEC00428-765A-4708-ADE2-3AAB557AF17C}" type="slidenum">
               <a:rPr lang="en-US" smtClean="0"/>
               <a:pPr/>
-              <a:t>12</a:t>
+              <a:t>11</a:t>
             </a:fld>
             <a:endParaRPr lang="en-US"/>
           </a:p>
@@ -1411,65 +1622,6 @@
           </a:bodyPr>
           <a:lstStyle/>
           <a:p>
-            <a:r>
-              <a:rPr lang="en-US" sz="1200" kern="1200" baseline="0" dirty="0" smtClean="0">
-                <a:solidFill>
-                  <a:schemeClr val="tx1"/>
-                </a:solidFill>
-                <a:latin typeface="+mn-lt"/>
-                <a:ea typeface="+mn-ea"/>
-                <a:cs typeface="+mn-cs"/>
-              </a:rPr>
-              <a:t>The Rice factor </a:t>
-            </a:r>
-            <a:r>
-              <a:rPr lang="en-US" sz="1200" i="1" kern="1200" baseline="0" dirty="0" smtClean="0">
-                <a:solidFill>
-                  <a:schemeClr val="tx1"/>
-                </a:solidFill>
-                <a:latin typeface="+mn-lt"/>
-                <a:ea typeface="+mn-ea"/>
-                <a:cs typeface="+mn-cs"/>
-              </a:rPr>
-              <a:t>K = ν2</a:t>
-            </a:r>
-          </a:p>
-          <a:p>
-            <a:r>
-              <a:rPr lang="en-US" sz="1200" kern="1200" baseline="0" dirty="0" smtClean="0">
-                <a:solidFill>
-                  <a:schemeClr val="tx1"/>
-                </a:solidFill>
-                <a:latin typeface="+mn-lt"/>
-                <a:ea typeface="+mn-ea"/>
-                <a:cs typeface="+mn-cs"/>
-              </a:rPr>
-              <a:t>2</a:t>
-            </a:r>
-            <a:r>
-              <a:rPr lang="en-US" sz="1200" i="1" kern="1200" baseline="0" dirty="0" smtClean="0">
-                <a:solidFill>
-                  <a:schemeClr val="tx1"/>
-                </a:solidFill>
-                <a:latin typeface="+mn-lt"/>
-                <a:ea typeface="+mn-ea"/>
-                <a:cs typeface="+mn-cs"/>
-              </a:rPr>
-              <a:t>σ2 is the relation between the power of the</a:t>
-            </a:r>
-          </a:p>
-          <a:p>
-            <a:r>
-              <a:rPr lang="en-US" sz="1200" kern="1200" baseline="0" dirty="0" smtClean="0">
-                <a:solidFill>
-                  <a:schemeClr val="tx1"/>
-                </a:solidFill>
-                <a:latin typeface="+mn-lt"/>
-                <a:ea typeface="+mn-ea"/>
-                <a:cs typeface="+mn-cs"/>
-              </a:rPr>
-              <a:t>LOS component and the power of the Rayleigh component.</a:t>
-            </a:r>
             <a:endParaRPr lang="en-US" dirty="0"/>
           </a:p>
         </p:txBody>
@@ -1492,7 +1644,7 @@
             <a:fld id="{AEC00428-765A-4708-ADE2-3AAB557AF17C}" type="slidenum">
               <a:rPr lang="en-US" smtClean="0"/>
               <a:pPr/>
-              <a:t>13</a:t>
+              <a:t>12</a:t>
             </a:fld>
             <a:endParaRPr lang="en-US"/>
           </a:p>
@@ -1655,7 +1807,7 @@
             <a:fld id="{A8B8E7D2-F905-46E3-BDD3-0258335A3216}" type="datetime1">
               <a:rPr lang="en-US" smtClean="0"/>
               <a:pPr/>
-              <a:t>4/28/2008</a:t>
+              <a:t>5/5/2008</a:t>
             </a:fld>
             <a:endParaRPr lang="en-US" sz="1600" dirty="0"/>
           </a:p>
@@ -2016,7 +2168,7 @@
             <a:fld id="{33938BEC-55E3-4F9D-B5C5-76D23951C04A}" type="datetime1">
               <a:rPr lang="en-US" smtClean="0"/>
               <a:pPr/>
-              <a:t>4/28/2008</a:t>
+              <a:t>5/5/2008</a:t>
             </a:fld>
             <a:endParaRPr lang="en-US"/>
           </a:p>
@@ -2197,7 +2349,7 @@
             <a:fld id="{33938BEC-55E3-4F9D-B5C5-76D23951C04A}" type="datetime1">
               <a:rPr lang="en-US" smtClean="0"/>
               <a:pPr/>
-              <a:t>4/28/2008</a:t>
+              <a:t>5/5/2008</a:t>
             </a:fld>
             <a:endParaRPr lang="en-US"/>
           </a:p>
@@ -2438,7 +2590,7 @@
             <a:fld id="{33938BEC-55E3-4F9D-B5C5-76D23951C04A}" type="datetime1">
               <a:rPr lang="en-US" smtClean="0"/>
               <a:pPr/>
-              <a:t>4/28/2008</a:t>
+              <a:t>5/5/2008</a:t>
             </a:fld>
             <a:endParaRPr lang="en-US" dirty="0"/>
           </a:p>
@@ -2708,7 +2860,7 @@
             <a:fld id="{2FB568A0-62B0-4129-95C4-7270BF844D61}" type="datetime1">
               <a:rPr lang="en-US" smtClean="0"/>
               <a:pPr/>
-              <a:t>4/28/2008</a:t>
+              <a:t>5/5/2008</a:t>
             </a:fld>
             <a:endParaRPr lang="en-US" dirty="0"/>
           </a:p>
@@ -2930,7 +3082,7 @@
             <a:fld id="{A1D7F31A-E594-408B-8114-4F8438303DA3}" type="datetime1">
               <a:rPr lang="en-US" smtClean="0"/>
               <a:pPr/>
-              <a:t>4/28/2008</a:t>
+              <a:t>5/5/2008</a:t>
             </a:fld>
             <a:endParaRPr lang="en-US"/>
           </a:p>
@@ -3284,7 +3436,7 @@
             <a:fld id="{AD978398-2A5A-4309-94C2-82E465C1DCF8}" type="datetime1">
               <a:rPr lang="en-US" smtClean="0"/>
               <a:pPr/>
-              <a:t>4/28/2008</a:t>
+              <a:t>5/5/2008</a:t>
             </a:fld>
             <a:endParaRPr lang="en-US"/>
           </a:p>
@@ -3518,7 +3670,7 @@
             <a:fld id="{33938BEC-55E3-4F9D-B5C5-76D23951C04A}" type="datetime1">
               <a:rPr lang="en-US" smtClean="0"/>
               <a:pPr/>
-              <a:t>4/28/2008</a:t>
+              <a:t>5/5/2008</a:t>
             </a:fld>
             <a:endParaRPr lang="en-US"/>
           </a:p>
@@ -3664,7 +3816,7 @@
             <a:fld id="{D48B58F6-778A-46C2-BFC0-8FD9B04A99E8}" type="datetime1">
               <a:rPr lang="en-US" smtClean="0"/>
               <a:pPr/>
-              <a:t>4/28/2008</a:t>
+              <a:t>5/5/2008</a:t>
             </a:fld>
             <a:endParaRPr lang="en-US"/>
           </a:p>
@@ -3943,7 +4095,7 @@
             <a:fld id="{33938BEC-55E3-4F9D-B5C5-76D23951C04A}" type="datetime1">
               <a:rPr lang="en-US" smtClean="0"/>
               <a:pPr/>
-              <a:t>4/28/2008</a:t>
+              <a:t>5/5/2008</a:t>
             </a:fld>
             <a:endParaRPr lang="en-US"/>
           </a:p>
@@ -4351,7 +4503,7 @@
             <a:fld id="{33938BEC-55E3-4F9D-B5C5-76D23951C04A}" type="datetime1">
               <a:rPr lang="en-US" smtClean="0"/>
               <a:pPr/>
-              <a:t>4/28/2008</a:t>
+              <a:t>5/5/2008</a:t>
             </a:fld>
             <a:endParaRPr lang="en-US"/>
           </a:p>
@@ -4695,7 +4847,7 @@
             <a:fld id="{33938BEC-55E3-4F9D-B5C5-76D23951C04A}" type="datetime1">
               <a:rPr lang="en-US" smtClean="0"/>
               <a:pPr/>
-              <a:t>4/28/2008</a:t>
+              <a:t>5/5/2008</a:t>
             </a:fld>
             <a:endParaRPr lang="en-US" sz="1400" dirty="0">
               <a:solidFill>
@@ -5377,11 +5529,7 @@
           <a:p>
             <a:r>
               <a:rPr lang="en-GB" dirty="0" smtClean="0"/>
-              <a:t>Fading </a:t>
-            </a:r>
-            <a:r>
-              <a:rPr lang="en-GB" dirty="0" smtClean="0"/>
-              <a:t>Types(Based on Doppler Spread)</a:t>
+              <a:t>Fading Types(Based on Doppler Spread)</a:t>
             </a:r>
             <a:endParaRPr lang="en-US" dirty="0"/>
           </a:p>
@@ -5732,11 +5880,7 @@
           <a:p>
             <a:r>
               <a:rPr lang="en-US" dirty="0" smtClean="0"/>
-              <a:t>Rayleigh </a:t>
-            </a:r>
-            <a:r>
-              <a:rPr lang="en-US" dirty="0" smtClean="0"/>
-              <a:t>fading</a:t>
+              <a:t>Rayleigh fading</a:t>
             </a:r>
           </a:p>
           <a:p>
@@ -5787,11 +5931,7 @@
           <a:p>
             <a:r>
               <a:rPr lang="en-US" dirty="0" smtClean="0"/>
-              <a:t>Rayleigh </a:t>
-            </a:r>
-            <a:r>
-              <a:rPr lang="en-US" dirty="0" smtClean="0"/>
-              <a:t>for non-LOS channels</a:t>
+              <a:t>Rayleigh for non-LOS channels</a:t>
             </a:r>
             <a:endParaRPr lang="en-GB" dirty="0" smtClean="0"/>
           </a:p>
@@ -8599,19 +8739,7 @@
             </a:r>
             <a:r>
               <a:rPr lang="en-US" dirty="0" smtClean="0"/>
-              <a:t>, </a:t>
-            </a:r>
-            <a:r>
-              <a:rPr lang="en-US" dirty="0" smtClean="0"/>
-              <a:t>Wireless Communications</a:t>
-            </a:r>
-            <a:r>
-              <a:rPr lang="en-US" dirty="0" smtClean="0"/>
-              <a:t>, Prentice Hall, </a:t>
-            </a:r>
-            <a:r>
-              <a:rPr lang="en-US" dirty="0" smtClean="0"/>
-              <a:t>2002</a:t>
+              <a:t>, Wireless Communications, Prentice Hall, 2002</a:t>
             </a:r>
           </a:p>
           <a:p>
@@ -8789,11 +8917,7 @@
           <a:p>
             <a:r>
               <a:rPr lang="en-US" dirty="0" smtClean="0"/>
-              <a:t>What is Fading</a:t>
-            </a:r>
-            <a:r>
-              <a:rPr lang="en-US" dirty="0" smtClean="0"/>
-              <a:t>?</a:t>
+              <a:t>What is Fading?</a:t>
             </a:r>
           </a:p>
           <a:p>
@@ -8806,15 +8930,7 @@
                   <a:schemeClr val="tx1"/>
                 </a:solidFill>
               </a:rPr>
-              <a:t>It is about the phenomenon of loss of signal in telecommunications</a:t>
-            </a:r>
-            <a:r>
-              <a:rPr lang="en-US" dirty="0" smtClean="0">
-                <a:solidFill>
-                  <a:schemeClr val="tx1"/>
-                </a:solidFill>
-              </a:rPr>
-              <a:t>.</a:t>
+              <a:t>It is about the phenomenon of loss of signal in telecommunications.</a:t>
             </a:r>
           </a:p>
           <a:p>
@@ -8911,44 +9027,23 @@
               <a:rPr lang="en-US" dirty="0" smtClean="0"/>
               <a:t>In wireless systems, fading is due to multipath propagation. </a:t>
             </a:r>
+          </a:p>
+          <a:p>
             <a:endParaRPr lang="en-US" dirty="0" smtClean="0"/>
           </a:p>
           <a:p>
+            <a:r>
+              <a:rPr lang="en-US" dirty="0" smtClean="0"/>
+              <a:t>Multipath is the propagation phenomenon that results in radio signals' reaching the receiving antenna by two or more paths.</a:t>
+            </a:r>
+          </a:p>
+          <a:p>
             <a:endParaRPr lang="en-US" dirty="0" smtClean="0"/>
           </a:p>
           <a:p>
             <a:r>
               <a:rPr lang="en-US" dirty="0" smtClean="0"/>
-              <a:t>Multipath is the propagation phenomenon that results in radio signals' reaching the receiving antenna </a:t>
-            </a:r>
-            <a:r>
-              <a:rPr lang="en-US" dirty="0" smtClean="0"/>
-              <a:t>by </a:t>
-            </a:r>
-            <a:r>
-              <a:rPr lang="en-US" dirty="0" smtClean="0"/>
-              <a:t>two or more paths</a:t>
-            </a:r>
-            <a:r>
-              <a:rPr lang="en-US" dirty="0" smtClean="0"/>
-              <a:t>.</a:t>
-            </a:r>
-          </a:p>
-          <a:p>
-            <a:endParaRPr lang="en-US" dirty="0" smtClean="0"/>
-          </a:p>
-          <a:p>
-            <a:r>
-              <a:rPr lang="en-US" dirty="0" smtClean="0"/>
-              <a:t>Causes of multipath include atmospheric </a:t>
-            </a:r>
-            <a:r>
-              <a:rPr lang="en-US" dirty="0" smtClean="0"/>
-              <a:t>ducting</a:t>
-            </a:r>
-            <a:r>
-              <a:rPr lang="en-US" dirty="0" smtClean="0"/>
-              <a:t>, </a:t>
+              <a:t>Causes of multipath include atmospheric ducting, </a:t>
             </a:r>
             <a:r>
               <a:rPr lang="en-US" dirty="0" err="1" smtClean="0"/>
@@ -9108,7 +9203,7 @@
           <p:nvPr/>
         </p:nvPicPr>
         <p:blipFill>
-          <a:blip r:embed="rId3"/>
+          <a:blip r:embed="rId4"/>
           <a:stretch>
             <a:fillRect/>
           </a:stretch>
@@ -9163,11 +9258,7 @@
           <a:p>
             <a:r>
               <a:rPr lang="en-US" dirty="0" smtClean="0"/>
-              <a:t>Doppler </a:t>
-            </a:r>
-            <a:r>
-              <a:rPr lang="en-US" dirty="0" smtClean="0"/>
-              <a:t>Spread</a:t>
+              <a:t>Doppler Spread</a:t>
             </a:r>
           </a:p>
           <a:p>
@@ -9180,15 +9271,7 @@
                   <a:schemeClr val="tx1"/>
                 </a:solidFill>
               </a:rPr>
-              <a:t>Suppose </a:t>
-            </a:r>
-            <a:r>
-              <a:rPr lang="en-US" dirty="0" smtClean="0">
-                <a:solidFill>
-                  <a:schemeClr val="tx1"/>
-                </a:solidFill>
-              </a:rPr>
-              <a:t>a mobile transmitting at carrier</a:t>
+              <a:t>Suppose a mobile transmitting at carrier</a:t>
             </a:r>
           </a:p>
           <a:p>
@@ -9225,7 +9308,7 @@
                   <a:schemeClr val="tx1"/>
                 </a:solidFill>
               </a:rPr>
-              <a:t> </a:t>
+              <a:t> approaches a stationary </a:t>
             </a:r>
             <a:r>
               <a:rPr lang="en-US" dirty="0" smtClean="0">
@@ -9233,58 +9316,53 @@
                   <a:schemeClr val="tx1"/>
                 </a:solidFill>
               </a:rPr>
-              <a:t>approaches a stationary receiver</a:t>
-            </a:r>
-          </a:p>
-          <a:p>
-            <a:pPr lvl="1">
-              <a:buNone/>
-            </a:pPr>
+              <a:t>receiver at an angle </a:t>
+            </a:r>
+            <a:r>
+              <a:rPr lang="el-GR" dirty="0" smtClean="0">
+                <a:solidFill>
+                  <a:schemeClr val="tx1"/>
+                </a:solidFill>
+                <a:latin typeface="Times New Roman"/>
+                <a:cs typeface="Times New Roman"/>
+              </a:rPr>
+              <a:t>θ</a:t>
+            </a:r>
             <a:r>
               <a:rPr lang="en-US" dirty="0" smtClean="0">
                 <a:solidFill>
                   <a:schemeClr val="tx1"/>
                 </a:solidFill>
               </a:rPr>
-              <a:t>directly at a speed of v</a:t>
-            </a:r>
-            <a:endParaRPr lang="en-US" dirty="0" smtClean="0">
-              <a:solidFill>
-                <a:schemeClr val="tx1"/>
-              </a:solidFill>
-            </a:endParaRPr>
-          </a:p>
-          <a:p>
-            <a:endParaRPr lang="en-GB" dirty="0" smtClean="0"/>
-          </a:p>
-          <a:p>
-            <a:endParaRPr lang="en-GB" dirty="0" smtClean="0"/>
-          </a:p>
-          <a:p>
-            <a:pPr lvl="1">
-              <a:buNone/>
-            </a:pPr>
+              <a:t> and </a:t>
+            </a:r>
             <a:r>
               <a:rPr lang="en-US" dirty="0" smtClean="0">
                 <a:solidFill>
                   <a:schemeClr val="tx1"/>
                 </a:solidFill>
               </a:rPr>
-              <a:t>The carrier frequency of the </a:t>
-            </a:r>
+              <a:t>a speed of v</a:t>
+            </a:r>
+          </a:p>
+          <a:p>
+            <a:endParaRPr lang="en-GB" dirty="0" smtClean="0"/>
+          </a:p>
+          <a:p>
+            <a:endParaRPr lang="en-GB" dirty="0" smtClean="0"/>
+          </a:p>
+          <a:p>
+            <a:pPr lvl="1">
+              <a:buNone/>
+            </a:pPr>
             <a:r>
               <a:rPr lang="en-US" dirty="0" smtClean="0">
                 <a:solidFill>
                   <a:schemeClr val="tx1"/>
                 </a:solidFill>
               </a:rPr>
-              <a:t>received signal will be</a:t>
-            </a:r>
-            <a:endParaRPr lang="en-US" dirty="0" smtClean="0">
-              <a:solidFill>
-                <a:schemeClr val="tx1"/>
-              </a:solidFill>
-            </a:endParaRPr>
+              <a:t>The carrier frequency of the received signal will be</a:t>
+            </a:r>
           </a:p>
           <a:p>
             <a:pPr lvl="1">
@@ -9308,7 +9386,7 @@
         </p:xfrm>
         <a:graphic>
           <a:graphicData uri="http://schemas.openxmlformats.org/presentationml/2006/ole">
-            <p:oleObj spid="_x0000_s2050" name="Equation" r:id="rId4" imgW="114120" imgH="215640" progId="Equation.3">
+            <p:oleObj spid="_x0000_s2050" name="Equation" r:id="rId5" imgW="114120" imgH="215640" progId="Equation.3">
               <p:embed/>
             </p:oleObj>
           </a:graphicData>
@@ -9328,7 +9406,7 @@
         </p:xfrm>
         <a:graphic>
           <a:graphicData uri="http://schemas.openxmlformats.org/presentationml/2006/ole">
-            <p:oleObj spid="_x0000_s2051" name="Equation" r:id="rId5" imgW="114120" imgH="215640" progId="Equation.3">
+            <p:oleObj spid="_x0000_s2051" name="Equation" r:id="rId6" imgW="114120" imgH="215640" progId="Equation.3">
               <p:embed/>
             </p:oleObj>
           </a:graphicData>
@@ -9348,7 +9426,7 @@
         </p:xfrm>
         <a:graphic>
           <a:graphicData uri="http://schemas.openxmlformats.org/presentationml/2006/ole">
-            <p:oleObj spid="_x0000_s2054" name="Equation" r:id="rId6" imgW="825480" imgH="228600" progId="Equation.3">
+            <p:oleObj spid="_x0000_s2054" name="Equation" r:id="rId7" imgW="825480" imgH="228600" progId="Equation.3">
               <p:embed/>
             </p:oleObj>
           </a:graphicData>
@@ -9368,7 +9446,7 @@
         </p:xfrm>
         <a:graphic>
           <a:graphicData uri="http://schemas.openxmlformats.org/presentationml/2006/ole">
-            <p:oleObj spid="_x0000_s2055" name="Equation" r:id="rId7" imgW="1117440" imgH="393480" progId="Equation.3">
+            <p:oleObj spid="_x0000_s2055" name="Equation" r:id="rId8" imgW="1117440" imgH="393480" progId="Equation.3">
               <p:embed/>
             </p:oleObj>
           </a:graphicData>
@@ -9416,15 +9494,7 @@
             </a:r>
             <a:r>
               <a:rPr lang="en-US" dirty="0" smtClean="0"/>
-              <a:t>Maximum </a:t>
-            </a:r>
-            <a:r>
-              <a:rPr lang="en-US" dirty="0" smtClean="0"/>
-              <a:t>Doppler </a:t>
-            </a:r>
-            <a:r>
-              <a:rPr lang="en-US" dirty="0" smtClean="0"/>
-              <a:t>Shift)</a:t>
+              <a:t>Maximum Doppler Shift)</a:t>
             </a:r>
             <a:endParaRPr lang="en-US" dirty="0"/>
           </a:p>
@@ -9502,11 +9572,7 @@
           <a:p>
             <a:r>
               <a:rPr lang="en-US" dirty="0" smtClean="0"/>
-              <a:t>Coherence </a:t>
-            </a:r>
-            <a:r>
-              <a:rPr lang="en-US" dirty="0" smtClean="0"/>
-              <a:t>Time</a:t>
+              <a:t>Coherence Time</a:t>
             </a:r>
           </a:p>
           <a:p>
@@ -9664,15 +9730,7 @@
             </a:r>
             <a:r>
               <a:rPr lang="en-US" dirty="0" smtClean="0"/>
-              <a:t> </a:t>
-            </a:r>
-            <a:r>
-              <a:rPr lang="en-US" dirty="0" smtClean="0"/>
-              <a:t>the Maximum </a:t>
-            </a:r>
-            <a:r>
-              <a:rPr lang="en-US" dirty="0" smtClean="0"/>
-              <a:t>Doppler Shift</a:t>
+              <a:t> the Maximum Doppler Shift</a:t>
             </a:r>
             <a:r>
               <a:rPr lang="en-GB" dirty="0" smtClean="0"/>
@@ -9754,11 +9812,7 @@
           <a:p>
             <a:r>
               <a:rPr lang="en-US" dirty="0" smtClean="0"/>
-              <a:t>Delay </a:t>
-            </a:r>
-            <a:r>
-              <a:rPr lang="en-US" dirty="0" smtClean="0"/>
-              <a:t>spread</a:t>
+              <a:t>Delay spread</a:t>
             </a:r>
           </a:p>
           <a:p>
@@ -9777,7 +9831,6 @@
               <a:rPr lang="en-US" dirty="0" smtClean="0"/>
               <a:t>. </a:t>
             </a:r>
-            <a:endParaRPr lang="en-US" dirty="0" smtClean="0"/>
           </a:p>
           <a:p>
             <a:pPr lvl="1">
@@ -9887,11 +9940,7 @@
           <a:p>
             <a:r>
               <a:rPr lang="en-US" dirty="0" smtClean="0"/>
-              <a:t>Coherence </a:t>
-            </a:r>
-            <a:r>
-              <a:rPr lang="en-US" dirty="0" smtClean="0"/>
-              <a:t>Bandwidth</a:t>
+              <a:t>Coherence Bandwidth</a:t>
             </a:r>
           </a:p>
           <a:p>
@@ -9960,15 +10009,7 @@
                   <a:schemeClr val="tx1"/>
                 </a:solidFill>
               </a:rPr>
-              <a:t>) </a:t>
-            </a:r>
-            <a:r>
-              <a:rPr lang="en-US" dirty="0" smtClean="0">
-                <a:solidFill>
-                  <a:schemeClr val="tx1"/>
-                </a:solidFill>
-              </a:rPr>
-              <a:t>delay  spread.</a:t>
+              <a:t>) delay  spread.</a:t>
             </a:r>
           </a:p>
           <a:p>
@@ -9979,23 +10020,7 @@
                   <a:schemeClr val="tx1"/>
                 </a:solidFill>
               </a:rPr>
-              <a:t>90</a:t>
-            </a:r>
-            <a:r>
-              <a:rPr lang="en-US" sz="2500" dirty="0" smtClean="0">
-                <a:solidFill>
-                  <a:schemeClr val="tx1"/>
-                </a:solidFill>
-              </a:rPr>
-              <a:t>% coherence </a:t>
-            </a:r>
-            <a:r>
-              <a:rPr lang="en-US" sz="2500" dirty="0" smtClean="0">
-                <a:solidFill>
-                  <a:schemeClr val="tx1"/>
-                </a:solidFill>
-              </a:rPr>
-              <a:t>bandwidth</a:t>
+              <a:t>90% coherence bandwidth</a:t>
             </a:r>
           </a:p>
           <a:p>
@@ -10014,23 +10039,7 @@
                   <a:schemeClr val="tx1"/>
                 </a:solidFill>
               </a:rPr>
-              <a:t>50% </a:t>
-            </a:r>
-            <a:r>
-              <a:rPr lang="en-US" sz="2500" dirty="0" smtClean="0">
-                <a:solidFill>
-                  <a:schemeClr val="tx1"/>
-                </a:solidFill>
-              </a:rPr>
-              <a:t>coherence </a:t>
-            </a:r>
-            <a:r>
-              <a:rPr lang="en-US" sz="2500" dirty="0" smtClean="0">
-                <a:solidFill>
-                  <a:schemeClr val="tx1"/>
-                </a:solidFill>
-              </a:rPr>
-              <a:t>bandwidth</a:t>
+              <a:t>50% coherence bandwidth</a:t>
             </a:r>
           </a:p>
           <a:p>
